--- a/Natural Language Processing/(2021 Deeplearning.ai) NLP Specialization/4. NLP with Attention Models/W2 Text Summarization with Transformers.pptx
+++ b/Natural Language Processing/(2021 Deeplearning.ai) NLP Specialization/4. NLP with Attention Models/W2 Text Summarization with Transformers.pptx
@@ -117,6 +117,40 @@
     </a:lvl9pPr>
   </p:defaultTextStyle>
   <p:extLst>
+    <p:ext uri="{521415D9-36F7-43E2-AB2F-B90AF26B5E84}">
+      <p14:sectionLst xmlns:p14="http://schemas.microsoft.com/office/powerpoint/2010/main">
+        <p14:section name="默认节" id="{27ED4A36-2C6D-4763-A4C4-0584B9686597}">
+          <p14:sldIdLst>
+            <p14:sldId id="256"/>
+          </p14:sldIdLst>
+        </p14:section>
+        <p14:section name="Transformers Overview" id="{41EE09C3-20C6-4A16-B6F2-123C6EAA2DD1}">
+          <p14:sldIdLst>
+            <p14:sldId id="278"/>
+            <p14:sldId id="279"/>
+            <p14:sldId id="289"/>
+            <p14:sldId id="280"/>
+          </p14:sldIdLst>
+        </p14:section>
+        <p14:section name="Attention Mechanisms" id="{81AB844F-9771-422C-AFF3-8C46CA90910D}">
+          <p14:sldIdLst>
+            <p14:sldId id="281"/>
+            <p14:sldId id="282"/>
+            <p14:sldId id="283"/>
+          </p14:sldIdLst>
+        </p14:section>
+        <p14:section name="Transformer Decoder" id="{776E79D5-1E96-410C-A727-94247C782008}">
+          <p14:sldIdLst>
+            <p14:sldId id="284"/>
+          </p14:sldIdLst>
+        </p14:section>
+        <p14:section name="Transformer Summarizer" id="{46DF685F-859A-462A-9FBA-EE544166ADCF}">
+          <p14:sldIdLst>
+            <p14:sldId id="285"/>
+          </p14:sldIdLst>
+        </p14:section>
+      </p14:sectionLst>
+    </p:ext>
     <p:ext uri="{EFAFB233-063F-42B5-8137-9DF3F51BA10A}">
       <p15:sldGuideLst xmlns:p15="http://schemas.microsoft.com/office/powerpoint/2012/main"/>
     </p:ext>
@@ -206,7 +240,7 @@
           <a:p>
             <a:fld id="{09726C47-E3E3-429B-BDDC-4E0694DA3629}" type="datetimeFigureOut">
               <a:rPr lang="en-SG" smtClean="0"/>
-              <a:t>28/12/2021</a:t>
+              <a:t>29/12/2021</a:t>
             </a:fld>
             <a:endParaRPr lang="en-SG"/>
           </a:p>
@@ -1379,7 +1413,7 @@
           <a:p>
             <a:fld id="{D8661AC7-7CDA-44BA-BCE8-75195DB121A7}" type="datetimeFigureOut">
               <a:rPr lang="en-SG" smtClean="0"/>
-              <a:t>28/12/2021</a:t>
+              <a:t>29/12/2021</a:t>
             </a:fld>
             <a:endParaRPr lang="en-SG"/>
           </a:p>
@@ -1579,7 +1613,7 @@
           <a:p>
             <a:fld id="{D8661AC7-7CDA-44BA-BCE8-75195DB121A7}" type="datetimeFigureOut">
               <a:rPr lang="en-SG" smtClean="0"/>
-              <a:t>28/12/2021</a:t>
+              <a:t>29/12/2021</a:t>
             </a:fld>
             <a:endParaRPr lang="en-SG"/>
           </a:p>
@@ -1789,7 +1823,7 @@
           <a:p>
             <a:fld id="{D8661AC7-7CDA-44BA-BCE8-75195DB121A7}" type="datetimeFigureOut">
               <a:rPr lang="en-SG" smtClean="0"/>
-              <a:t>28/12/2021</a:t>
+              <a:t>29/12/2021</a:t>
             </a:fld>
             <a:endParaRPr lang="en-SG"/>
           </a:p>
@@ -1989,7 +2023,7 @@
           <a:p>
             <a:fld id="{D8661AC7-7CDA-44BA-BCE8-75195DB121A7}" type="datetimeFigureOut">
               <a:rPr lang="en-SG" smtClean="0"/>
-              <a:t>28/12/2021</a:t>
+              <a:t>29/12/2021</a:t>
             </a:fld>
             <a:endParaRPr lang="en-SG"/>
           </a:p>
@@ -2265,7 +2299,7 @@
           <a:p>
             <a:fld id="{D8661AC7-7CDA-44BA-BCE8-75195DB121A7}" type="datetimeFigureOut">
               <a:rPr lang="en-SG" smtClean="0"/>
-              <a:t>28/12/2021</a:t>
+              <a:t>29/12/2021</a:t>
             </a:fld>
             <a:endParaRPr lang="en-SG"/>
           </a:p>
@@ -2533,7 +2567,7 @@
           <a:p>
             <a:fld id="{D8661AC7-7CDA-44BA-BCE8-75195DB121A7}" type="datetimeFigureOut">
               <a:rPr lang="en-SG" smtClean="0"/>
-              <a:t>28/12/2021</a:t>
+              <a:t>29/12/2021</a:t>
             </a:fld>
             <a:endParaRPr lang="en-SG"/>
           </a:p>
@@ -2948,7 +2982,7 @@
           <a:p>
             <a:fld id="{D8661AC7-7CDA-44BA-BCE8-75195DB121A7}" type="datetimeFigureOut">
               <a:rPr lang="en-SG" smtClean="0"/>
-              <a:t>28/12/2021</a:t>
+              <a:t>29/12/2021</a:t>
             </a:fld>
             <a:endParaRPr lang="en-SG"/>
           </a:p>
@@ -3090,7 +3124,7 @@
           <a:p>
             <a:fld id="{D8661AC7-7CDA-44BA-BCE8-75195DB121A7}" type="datetimeFigureOut">
               <a:rPr lang="en-SG" smtClean="0"/>
-              <a:t>28/12/2021</a:t>
+              <a:t>29/12/2021</a:t>
             </a:fld>
             <a:endParaRPr lang="en-SG"/>
           </a:p>
@@ -3203,7 +3237,7 @@
           <a:p>
             <a:fld id="{D8661AC7-7CDA-44BA-BCE8-75195DB121A7}" type="datetimeFigureOut">
               <a:rPr lang="en-SG" smtClean="0"/>
-              <a:t>28/12/2021</a:t>
+              <a:t>29/12/2021</a:t>
             </a:fld>
             <a:endParaRPr lang="en-SG"/>
           </a:p>
@@ -3516,7 +3550,7 @@
           <a:p>
             <a:fld id="{D8661AC7-7CDA-44BA-BCE8-75195DB121A7}" type="datetimeFigureOut">
               <a:rPr lang="en-SG" smtClean="0"/>
-              <a:t>28/12/2021</a:t>
+              <a:t>29/12/2021</a:t>
             </a:fld>
             <a:endParaRPr lang="en-SG"/>
           </a:p>
@@ -3805,7 +3839,7 @@
           <a:p>
             <a:fld id="{D8661AC7-7CDA-44BA-BCE8-75195DB121A7}" type="datetimeFigureOut">
               <a:rPr lang="en-SG" smtClean="0"/>
-              <a:t>28/12/2021</a:t>
+              <a:t>29/12/2021</a:t>
             </a:fld>
             <a:endParaRPr lang="en-SG"/>
           </a:p>
@@ -4048,7 +4082,7 @@
           <a:p>
             <a:fld id="{D8661AC7-7CDA-44BA-BCE8-75195DB121A7}" type="datetimeFigureOut">
               <a:rPr lang="en-SG" smtClean="0"/>
-              <a:t>28/12/2021</a:t>
+              <a:t>29/12/2021</a:t>
             </a:fld>
             <a:endParaRPr lang="en-SG"/>
           </a:p>
@@ -4626,8 +4660,8 @@
           </a:p>
         </p:txBody>
       </p:sp>
-      <mc:AlternateContent xmlns:mc="http://schemas.openxmlformats.org/markup-compatibility/2006">
-        <mc:Choice xmlns:a14="http://schemas.microsoft.com/office/drawing/2010/main" Requires="a14">
+      <mc:AlternateContent xmlns:mc="http://schemas.openxmlformats.org/markup-compatibility/2006" xmlns:a14="http://schemas.microsoft.com/office/drawing/2010/main">
+        <mc:Choice Requires="a14">
           <p:sp>
             <p:nvSpPr>
               <p:cNvPr id="3" name="Content Placeholder 2">
@@ -5140,7 +5174,7 @@
             </p:txBody>
           </p:sp>
         </mc:Choice>
-        <mc:Fallback>
+        <mc:Fallback xmlns="">
           <p:sp>
             <p:nvSpPr>
               <p:cNvPr id="3" name="Content Placeholder 2">
@@ -6553,7 +6587,7 @@
             </p:spPr>
             <p:txBody>
               <a:bodyPr>
-                <a:normAutofit/>
+                <a:normAutofit lnSpcReduction="10000"/>
               </a:bodyPr>
               <a:lstStyle/>
               <a:p>
@@ -6756,6 +6790,54 @@
                   <a:rPr lang="en-US" dirty="0"/>
                   <a:t> improve performance</a:t>
                 </a:r>
+              </a:p>
+              <a:p>
+                <a:pPr lvl="3"/>
+                <a:r>
+                  <a:rPr lang="en-US" dirty="0"/>
+                  <a:t>Note that the lab session used </a:t>
+                </a:r>
+                <a:r>
+                  <a:rPr lang="en-US" dirty="0" err="1"/>
+                  <a:t>Q.shape</a:t>
+                </a:r>
+                <a:r>
+                  <a:rPr lang="en-US" dirty="0"/>
+                  <a:t>[-1] as </a:t>
+                </a:r>
+                <a14:m>
+                  <m:oMath xmlns:m="http://schemas.openxmlformats.org/officeDocument/2006/math">
+                    <m:sSub>
+                      <m:sSubPr>
+                        <m:ctrlPr>
+                          <a:rPr lang="en-US" b="0" i="1" smtClean="0">
+                            <a:latin typeface="Cambria Math" panose="02040503050406030204" pitchFamily="18" charset="0"/>
+                          </a:rPr>
+                        </m:ctrlPr>
+                      </m:sSubPr>
+                      <m:e>
+                        <m:r>
+                          <a:rPr lang="en-US" b="0" i="1" smtClean="0">
+                            <a:latin typeface="Cambria Math" panose="02040503050406030204" pitchFamily="18" charset="0"/>
+                          </a:rPr>
+                          <m:t>𝑑</m:t>
+                        </m:r>
+                      </m:e>
+                      <m:sub>
+                        <m:r>
+                          <a:rPr lang="en-US" b="0" i="1" smtClean="0">
+                            <a:latin typeface="Cambria Math" panose="02040503050406030204" pitchFamily="18" charset="0"/>
+                          </a:rPr>
+                          <m:t>𝑘</m:t>
+                        </m:r>
+                      </m:sub>
+                    </m:sSub>
+                  </m:oMath>
+                </a14:m>
+                <a:r>
+                  <a:rPr lang="en-US" dirty="0"/>
+                  <a:t>, which is the embedding dimension</a:t>
+                </a:r>
                 <a:br>
                   <a:rPr lang="en-US" dirty="0"/>
                 </a:br>
@@ -7358,7 +7440,7 @@
               <a:blipFill>
                 <a:blip r:embed="rId3"/>
                 <a:stretch>
-                  <a:fillRect l="-942" t="-1621"/>
+                  <a:fillRect l="-942" t="-2229"/>
                 </a:stretch>
               </a:blipFill>
             </p:spPr>
@@ -7443,8 +7525,8 @@
           </a:p>
         </p:txBody>
       </p:sp>
-      <mc:AlternateContent xmlns:mc="http://schemas.openxmlformats.org/markup-compatibility/2006">
-        <mc:Choice xmlns:a14="http://schemas.microsoft.com/office/drawing/2010/main" Requires="a14">
+      <mc:AlternateContent xmlns:mc="http://schemas.openxmlformats.org/markup-compatibility/2006" xmlns:a14="http://schemas.microsoft.com/office/drawing/2010/main">
+        <mc:Choice Requires="a14">
           <p:sp>
             <p:nvSpPr>
               <p:cNvPr id="3" name="Content Placeholder 2">
@@ -7776,7 +7858,7 @@
             </p:txBody>
           </p:sp>
         </mc:Choice>
-        <mc:Fallback>
+        <mc:Fallback xmlns="">
           <p:sp>
             <p:nvSpPr>
               <p:cNvPr id="3" name="Content Placeholder 2">
@@ -7886,8 +7968,8 @@
           </a:p>
         </p:txBody>
       </p:sp>
-      <mc:AlternateContent xmlns:mc="http://schemas.openxmlformats.org/markup-compatibility/2006">
-        <mc:Choice xmlns:a14="http://schemas.microsoft.com/office/drawing/2010/main" Requires="a14">
+      <mc:AlternateContent xmlns:mc="http://schemas.openxmlformats.org/markup-compatibility/2006" xmlns:a14="http://schemas.microsoft.com/office/drawing/2010/main">
+        <mc:Choice Requires="a14">
           <p:sp>
             <p:nvSpPr>
               <p:cNvPr id="3" name="Content Placeholder 2">
@@ -8475,7 +8557,7 @@
                     <m:sSub>
                       <m:sSubPr>
                         <m:ctrlPr>
-                          <a:rPr lang="en-US" b="0" i="0" smtClean="0">
+                          <a:rPr lang="en-US" b="0" i="1" smtClean="0">
                             <a:solidFill>
                               <a:schemeClr val="tx1"/>
                             </a:solidFill>
@@ -9299,7 +9381,7 @@
             </p:txBody>
           </p:sp>
         </mc:Choice>
-        <mc:Fallback>
+        <mc:Fallback xmlns="">
           <p:sp>
             <p:nvSpPr>
               <p:cNvPr id="3" name="Content Placeholder 2">
@@ -9486,7 +9568,7 @@
                       <a:schemeClr val="accent1"/>
                     </a:solidFill>
                   </a:rPr>
-                  <a:t>shift-right</a:t>
+                  <a:t>shift-right (teacher forcing)</a:t>
                 </a:r>
               </a:p>
               <a:p>
